--- a/ppt 16-9/0198.普天同庆.pptx
+++ b/ppt 16-9/0198.普天同庆.pptx
@@ -5,7 +5,7 @@
     <p:sldMasterId id="2147483648" r:id="rId1"/>
   </p:sldMasterIdLst>
   <p:sldIdLst>
-    <p:sldId id="2836" r:id="rId2"/>
+    <p:sldId id="2838" r:id="rId2"/>
   </p:sldIdLst>
   <p:sldSz cx="12192000" cy="6858000"/>
   <p:notesSz cx="6858000" cy="9144000"/>
@@ -129,7 +129,7 @@
           <p:cNvPr id="2" name="标题 1">
             <a:extLst>
               <a:ext uri="{FF2B5EF4-FFF2-40B4-BE49-F238E27FC236}">
-                <a16:creationId xmlns:a16="http://schemas.microsoft.com/office/drawing/2014/main" id="{667902F9-AC09-AE8A-780C-13582C4F5898}"/>
+                <a16:creationId xmlns:a16="http://schemas.microsoft.com/office/drawing/2014/main" id="{1726DEEB-6BCA-FB8C-48E0-6ED922A3626E}"/>
               </a:ext>
             </a:extLst>
           </p:cNvPr>
@@ -166,7 +166,7 @@
           <p:cNvPr id="3" name="副标题 2">
             <a:extLst>
               <a:ext uri="{FF2B5EF4-FFF2-40B4-BE49-F238E27FC236}">
-                <a16:creationId xmlns:a16="http://schemas.microsoft.com/office/drawing/2014/main" id="{FC29E5A8-9108-86F8-6D74-A159726A3210}"/>
+                <a16:creationId xmlns:a16="http://schemas.microsoft.com/office/drawing/2014/main" id="{84261813-7C5C-553B-DA31-D35D1BC3241C}"/>
               </a:ext>
             </a:extLst>
           </p:cNvPr>
@@ -236,7 +236,7 @@
           <p:cNvPr id="4" name="日期占位符 3">
             <a:extLst>
               <a:ext uri="{FF2B5EF4-FFF2-40B4-BE49-F238E27FC236}">
-                <a16:creationId xmlns:a16="http://schemas.microsoft.com/office/drawing/2014/main" id="{C5A915BE-E47D-7133-83D0-39429858C9D9}"/>
+                <a16:creationId xmlns:a16="http://schemas.microsoft.com/office/drawing/2014/main" id="{2444107F-0C97-EE11-84A8-7CC30BE451F0}"/>
               </a:ext>
             </a:extLst>
           </p:cNvPr>
@@ -252,7 +252,7 @@
           <a:bodyPr/>
           <a:lstStyle/>
           <a:p>
-            <a:fld id="{D93573DC-D844-4AC2-A780-F74B0AA497AA}" type="datetimeFigureOut">
+            <a:fld id="{579E761B-5BB6-427F-BCED-0B987BB33069}" type="datetimeFigureOut">
               <a:rPr lang="zh-CN" altLang="en-US" smtClean="0"/>
               <a:t>2024/3/10</a:t>
             </a:fld>
@@ -265,7 +265,7 @@
           <p:cNvPr id="5" name="页脚占位符 4">
             <a:extLst>
               <a:ext uri="{FF2B5EF4-FFF2-40B4-BE49-F238E27FC236}">
-                <a16:creationId xmlns:a16="http://schemas.microsoft.com/office/drawing/2014/main" id="{D6232E8C-958F-E530-B304-B9E2BAE487C8}"/>
+                <a16:creationId xmlns:a16="http://schemas.microsoft.com/office/drawing/2014/main" id="{334570CE-2DBE-6218-6A3B-6C4F6D15A7AA}"/>
               </a:ext>
             </a:extLst>
           </p:cNvPr>
@@ -290,7 +290,7 @@
           <p:cNvPr id="6" name="灯片编号占位符 5">
             <a:extLst>
               <a:ext uri="{FF2B5EF4-FFF2-40B4-BE49-F238E27FC236}">
-                <a16:creationId xmlns:a16="http://schemas.microsoft.com/office/drawing/2014/main" id="{60D37A8D-8CE5-182A-7E16-A536B842C073}"/>
+                <a16:creationId xmlns:a16="http://schemas.microsoft.com/office/drawing/2014/main" id="{8EB0C971-E441-9C53-301F-13F99277E0B8}"/>
               </a:ext>
             </a:extLst>
           </p:cNvPr>
@@ -306,7 +306,7 @@
           <a:bodyPr/>
           <a:lstStyle/>
           <a:p>
-            <a:fld id="{3B04E3DC-3F7F-4C94-A302-1F50E459E8D7}" type="slidenum">
+            <a:fld id="{FC7BD3BD-912D-469B-ADE6-79CA44F9D651}" type="slidenum">
               <a:rPr lang="zh-CN" altLang="en-US" smtClean="0"/>
               <a:t>‹#›</a:t>
             </a:fld>
@@ -317,7 +317,7 @@
     </p:spTree>
     <p:extLst>
       <p:ext uri="{BB962C8B-B14F-4D97-AF65-F5344CB8AC3E}">
-        <p14:creationId xmlns:p14="http://schemas.microsoft.com/office/powerpoint/2010/main" val="2967561592"/>
+        <p14:creationId xmlns:p14="http://schemas.microsoft.com/office/powerpoint/2010/main" val="1824294890"/>
       </p:ext>
     </p:extLst>
   </p:cSld>
@@ -349,7 +349,7 @@
           <p:cNvPr id="2" name="标题 1">
             <a:extLst>
               <a:ext uri="{FF2B5EF4-FFF2-40B4-BE49-F238E27FC236}">
-                <a16:creationId xmlns:a16="http://schemas.microsoft.com/office/drawing/2014/main" id="{81D5CC7C-6942-C2EB-59CF-5736A712E850}"/>
+                <a16:creationId xmlns:a16="http://schemas.microsoft.com/office/drawing/2014/main" id="{260629DE-36C0-F1EA-82A6-9293C53A03B3}"/>
               </a:ext>
             </a:extLst>
           </p:cNvPr>
@@ -377,7 +377,7 @@
           <p:cNvPr id="3" name="竖排文字占位符 2">
             <a:extLst>
               <a:ext uri="{FF2B5EF4-FFF2-40B4-BE49-F238E27FC236}">
-                <a16:creationId xmlns:a16="http://schemas.microsoft.com/office/drawing/2014/main" id="{2BD6FAA7-643D-2725-425E-7933E68AC63C}"/>
+                <a16:creationId xmlns:a16="http://schemas.microsoft.com/office/drawing/2014/main" id="{7E572007-2209-F9EC-57C8-33F1BC915F87}"/>
               </a:ext>
             </a:extLst>
           </p:cNvPr>
@@ -434,7 +434,7 @@
           <p:cNvPr id="4" name="日期占位符 3">
             <a:extLst>
               <a:ext uri="{FF2B5EF4-FFF2-40B4-BE49-F238E27FC236}">
-                <a16:creationId xmlns:a16="http://schemas.microsoft.com/office/drawing/2014/main" id="{A265A392-FA1F-1D7C-E3BF-A47ABC44095E}"/>
+                <a16:creationId xmlns:a16="http://schemas.microsoft.com/office/drawing/2014/main" id="{9F93723F-4C5A-414C-8420-96C9BF81AA46}"/>
               </a:ext>
             </a:extLst>
           </p:cNvPr>
@@ -450,7 +450,7 @@
           <a:bodyPr/>
           <a:lstStyle/>
           <a:p>
-            <a:fld id="{D93573DC-D844-4AC2-A780-F74B0AA497AA}" type="datetimeFigureOut">
+            <a:fld id="{579E761B-5BB6-427F-BCED-0B987BB33069}" type="datetimeFigureOut">
               <a:rPr lang="zh-CN" altLang="en-US" smtClean="0"/>
               <a:t>2024/3/10</a:t>
             </a:fld>
@@ -463,7 +463,7 @@
           <p:cNvPr id="5" name="页脚占位符 4">
             <a:extLst>
               <a:ext uri="{FF2B5EF4-FFF2-40B4-BE49-F238E27FC236}">
-                <a16:creationId xmlns:a16="http://schemas.microsoft.com/office/drawing/2014/main" id="{CEFA2DAE-DC14-C843-E0E8-C58E90BE0E1D}"/>
+                <a16:creationId xmlns:a16="http://schemas.microsoft.com/office/drawing/2014/main" id="{A73EA981-C6C4-5DDA-6B56-4C0C7FC9F912}"/>
               </a:ext>
             </a:extLst>
           </p:cNvPr>
@@ -488,7 +488,7 @@
           <p:cNvPr id="6" name="灯片编号占位符 5">
             <a:extLst>
               <a:ext uri="{FF2B5EF4-FFF2-40B4-BE49-F238E27FC236}">
-                <a16:creationId xmlns:a16="http://schemas.microsoft.com/office/drawing/2014/main" id="{2D2F0990-0591-8D03-CB35-22202FDAEFE6}"/>
+                <a16:creationId xmlns:a16="http://schemas.microsoft.com/office/drawing/2014/main" id="{2C43F662-D9DA-08F4-9E55-0BD57337639E}"/>
               </a:ext>
             </a:extLst>
           </p:cNvPr>
@@ -504,7 +504,7 @@
           <a:bodyPr/>
           <a:lstStyle/>
           <a:p>
-            <a:fld id="{3B04E3DC-3F7F-4C94-A302-1F50E459E8D7}" type="slidenum">
+            <a:fld id="{FC7BD3BD-912D-469B-ADE6-79CA44F9D651}" type="slidenum">
               <a:rPr lang="zh-CN" altLang="en-US" smtClean="0"/>
               <a:t>‹#›</a:t>
             </a:fld>
@@ -515,7 +515,7 @@
     </p:spTree>
     <p:extLst>
       <p:ext uri="{BB962C8B-B14F-4D97-AF65-F5344CB8AC3E}">
-        <p14:creationId xmlns:p14="http://schemas.microsoft.com/office/powerpoint/2010/main" val="486845452"/>
+        <p14:creationId xmlns:p14="http://schemas.microsoft.com/office/powerpoint/2010/main" val="3895474558"/>
       </p:ext>
     </p:extLst>
   </p:cSld>
@@ -547,7 +547,7 @@
           <p:cNvPr id="2" name="竖排标题 1">
             <a:extLst>
               <a:ext uri="{FF2B5EF4-FFF2-40B4-BE49-F238E27FC236}">
-                <a16:creationId xmlns:a16="http://schemas.microsoft.com/office/drawing/2014/main" id="{819290F4-391F-4E9A-C880-097DFA1B0B5F}"/>
+                <a16:creationId xmlns:a16="http://schemas.microsoft.com/office/drawing/2014/main" id="{46ABE84A-F79C-28E6-A2F7-75048900BF96}"/>
               </a:ext>
             </a:extLst>
           </p:cNvPr>
@@ -580,7 +580,7 @@
           <p:cNvPr id="3" name="竖排文字占位符 2">
             <a:extLst>
               <a:ext uri="{FF2B5EF4-FFF2-40B4-BE49-F238E27FC236}">
-                <a16:creationId xmlns:a16="http://schemas.microsoft.com/office/drawing/2014/main" id="{70CD6397-4716-1892-2772-F2C01F23E0EA}"/>
+                <a16:creationId xmlns:a16="http://schemas.microsoft.com/office/drawing/2014/main" id="{97094723-1BB6-0732-CF3D-22FEB6D31F31}"/>
               </a:ext>
             </a:extLst>
           </p:cNvPr>
@@ -642,7 +642,7 @@
           <p:cNvPr id="4" name="日期占位符 3">
             <a:extLst>
               <a:ext uri="{FF2B5EF4-FFF2-40B4-BE49-F238E27FC236}">
-                <a16:creationId xmlns:a16="http://schemas.microsoft.com/office/drawing/2014/main" id="{6D50EA48-1E11-70C8-BE36-8AD8A09C9234}"/>
+                <a16:creationId xmlns:a16="http://schemas.microsoft.com/office/drawing/2014/main" id="{0D6554EE-AFFE-E4AC-0E9F-EFF527A95951}"/>
               </a:ext>
             </a:extLst>
           </p:cNvPr>
@@ -658,7 +658,7 @@
           <a:bodyPr/>
           <a:lstStyle/>
           <a:p>
-            <a:fld id="{D93573DC-D844-4AC2-A780-F74B0AA497AA}" type="datetimeFigureOut">
+            <a:fld id="{579E761B-5BB6-427F-BCED-0B987BB33069}" type="datetimeFigureOut">
               <a:rPr lang="zh-CN" altLang="en-US" smtClean="0"/>
               <a:t>2024/3/10</a:t>
             </a:fld>
@@ -671,7 +671,7 @@
           <p:cNvPr id="5" name="页脚占位符 4">
             <a:extLst>
               <a:ext uri="{FF2B5EF4-FFF2-40B4-BE49-F238E27FC236}">
-                <a16:creationId xmlns:a16="http://schemas.microsoft.com/office/drawing/2014/main" id="{80A1954F-3B3E-AEFD-A844-9BA762DD8366}"/>
+                <a16:creationId xmlns:a16="http://schemas.microsoft.com/office/drawing/2014/main" id="{D8C8FB64-DF15-0A58-CC4E-BE11616D2342}"/>
               </a:ext>
             </a:extLst>
           </p:cNvPr>
@@ -696,7 +696,7 @@
           <p:cNvPr id="6" name="灯片编号占位符 5">
             <a:extLst>
               <a:ext uri="{FF2B5EF4-FFF2-40B4-BE49-F238E27FC236}">
-                <a16:creationId xmlns:a16="http://schemas.microsoft.com/office/drawing/2014/main" id="{8C7EC86F-69CD-98C5-A93D-A312CC25051A}"/>
+                <a16:creationId xmlns:a16="http://schemas.microsoft.com/office/drawing/2014/main" id="{3C4E0A9C-3825-739F-FDD1-2D9BB12D4FED}"/>
               </a:ext>
             </a:extLst>
           </p:cNvPr>
@@ -712,7 +712,7 @@
           <a:bodyPr/>
           <a:lstStyle/>
           <a:p>
-            <a:fld id="{3B04E3DC-3F7F-4C94-A302-1F50E459E8D7}" type="slidenum">
+            <a:fld id="{FC7BD3BD-912D-469B-ADE6-79CA44F9D651}" type="slidenum">
               <a:rPr lang="zh-CN" altLang="en-US" smtClean="0"/>
               <a:t>‹#›</a:t>
             </a:fld>
@@ -723,7 +723,7 @@
     </p:spTree>
     <p:extLst>
       <p:ext uri="{BB962C8B-B14F-4D97-AF65-F5344CB8AC3E}">
-        <p14:creationId xmlns:p14="http://schemas.microsoft.com/office/powerpoint/2010/main" val="1720531233"/>
+        <p14:creationId xmlns:p14="http://schemas.microsoft.com/office/powerpoint/2010/main" val="3345788834"/>
       </p:ext>
     </p:extLst>
   </p:cSld>
@@ -755,7 +755,7 @@
           <p:cNvPr id="2" name="标题 1">
             <a:extLst>
               <a:ext uri="{FF2B5EF4-FFF2-40B4-BE49-F238E27FC236}">
-                <a16:creationId xmlns:a16="http://schemas.microsoft.com/office/drawing/2014/main" id="{0BDB9D89-B188-9CDB-E9BC-19C9FC4438E3}"/>
+                <a16:creationId xmlns:a16="http://schemas.microsoft.com/office/drawing/2014/main" id="{127418E2-D09A-2FCF-055F-C8F78F0CA94F}"/>
               </a:ext>
             </a:extLst>
           </p:cNvPr>
@@ -783,7 +783,7 @@
           <p:cNvPr id="3" name="内容占位符 2">
             <a:extLst>
               <a:ext uri="{FF2B5EF4-FFF2-40B4-BE49-F238E27FC236}">
-                <a16:creationId xmlns:a16="http://schemas.microsoft.com/office/drawing/2014/main" id="{0D522141-8262-3313-1056-F3F617E69ACC}"/>
+                <a16:creationId xmlns:a16="http://schemas.microsoft.com/office/drawing/2014/main" id="{5735C595-67FB-E68D-58C8-53FD38C65139}"/>
               </a:ext>
             </a:extLst>
           </p:cNvPr>
@@ -840,7 +840,7 @@
           <p:cNvPr id="4" name="日期占位符 3">
             <a:extLst>
               <a:ext uri="{FF2B5EF4-FFF2-40B4-BE49-F238E27FC236}">
-                <a16:creationId xmlns:a16="http://schemas.microsoft.com/office/drawing/2014/main" id="{CA3E7EA4-33A9-EDD7-43F4-DF9A81F4CAF5}"/>
+                <a16:creationId xmlns:a16="http://schemas.microsoft.com/office/drawing/2014/main" id="{9F598CC1-3446-F08C-70BB-05362E6F776F}"/>
               </a:ext>
             </a:extLst>
           </p:cNvPr>
@@ -856,7 +856,7 @@
           <a:bodyPr/>
           <a:lstStyle/>
           <a:p>
-            <a:fld id="{D93573DC-D844-4AC2-A780-F74B0AA497AA}" type="datetimeFigureOut">
+            <a:fld id="{579E761B-5BB6-427F-BCED-0B987BB33069}" type="datetimeFigureOut">
               <a:rPr lang="zh-CN" altLang="en-US" smtClean="0"/>
               <a:t>2024/3/10</a:t>
             </a:fld>
@@ -869,7 +869,7 @@
           <p:cNvPr id="5" name="页脚占位符 4">
             <a:extLst>
               <a:ext uri="{FF2B5EF4-FFF2-40B4-BE49-F238E27FC236}">
-                <a16:creationId xmlns:a16="http://schemas.microsoft.com/office/drawing/2014/main" id="{3C136701-780C-68E4-CDEC-FE5668901841}"/>
+                <a16:creationId xmlns:a16="http://schemas.microsoft.com/office/drawing/2014/main" id="{10211DE5-98E3-368A-E477-5848FC35D4C0}"/>
               </a:ext>
             </a:extLst>
           </p:cNvPr>
@@ -894,7 +894,7 @@
           <p:cNvPr id="6" name="灯片编号占位符 5">
             <a:extLst>
               <a:ext uri="{FF2B5EF4-FFF2-40B4-BE49-F238E27FC236}">
-                <a16:creationId xmlns:a16="http://schemas.microsoft.com/office/drawing/2014/main" id="{F55AD1A6-4E41-D7BF-8624-C68491DCA98B}"/>
+                <a16:creationId xmlns:a16="http://schemas.microsoft.com/office/drawing/2014/main" id="{C03398E6-7D36-8E3E-DAEB-A2A1A89B2B30}"/>
               </a:ext>
             </a:extLst>
           </p:cNvPr>
@@ -910,7 +910,7 @@
           <a:bodyPr/>
           <a:lstStyle/>
           <a:p>
-            <a:fld id="{3B04E3DC-3F7F-4C94-A302-1F50E459E8D7}" type="slidenum">
+            <a:fld id="{FC7BD3BD-912D-469B-ADE6-79CA44F9D651}" type="slidenum">
               <a:rPr lang="zh-CN" altLang="en-US" smtClean="0"/>
               <a:t>‹#›</a:t>
             </a:fld>
@@ -921,7 +921,7 @@
     </p:spTree>
     <p:extLst>
       <p:ext uri="{BB962C8B-B14F-4D97-AF65-F5344CB8AC3E}">
-        <p14:creationId xmlns:p14="http://schemas.microsoft.com/office/powerpoint/2010/main" val="3073326575"/>
+        <p14:creationId xmlns:p14="http://schemas.microsoft.com/office/powerpoint/2010/main" val="955431949"/>
       </p:ext>
     </p:extLst>
   </p:cSld>
@@ -953,7 +953,7 @@
           <p:cNvPr id="2" name="标题 1">
             <a:extLst>
               <a:ext uri="{FF2B5EF4-FFF2-40B4-BE49-F238E27FC236}">
-                <a16:creationId xmlns:a16="http://schemas.microsoft.com/office/drawing/2014/main" id="{4A986CFF-7B63-F4C4-4FD1-DFC3DB7EE7FD}"/>
+                <a16:creationId xmlns:a16="http://schemas.microsoft.com/office/drawing/2014/main" id="{DA8E8A5A-B672-AD7E-9DF0-5F76E16CEC41}"/>
               </a:ext>
             </a:extLst>
           </p:cNvPr>
@@ -990,7 +990,7 @@
           <p:cNvPr id="3" name="文本占位符 2">
             <a:extLst>
               <a:ext uri="{FF2B5EF4-FFF2-40B4-BE49-F238E27FC236}">
-                <a16:creationId xmlns:a16="http://schemas.microsoft.com/office/drawing/2014/main" id="{366E2CCF-C826-C5DE-97C3-B1E532994476}"/>
+                <a16:creationId xmlns:a16="http://schemas.microsoft.com/office/drawing/2014/main" id="{C307EECD-D28A-A3E3-A060-24472AE75CE9}"/>
               </a:ext>
             </a:extLst>
           </p:cNvPr>
@@ -1115,7 +1115,7 @@
           <p:cNvPr id="4" name="日期占位符 3">
             <a:extLst>
               <a:ext uri="{FF2B5EF4-FFF2-40B4-BE49-F238E27FC236}">
-                <a16:creationId xmlns:a16="http://schemas.microsoft.com/office/drawing/2014/main" id="{428BFD3D-5CFE-B957-0CEA-CAC704587CEE}"/>
+                <a16:creationId xmlns:a16="http://schemas.microsoft.com/office/drawing/2014/main" id="{0286DE1F-2DB3-1B97-1FD2-6072B7CFDF47}"/>
               </a:ext>
             </a:extLst>
           </p:cNvPr>
@@ -1131,7 +1131,7 @@
           <a:bodyPr/>
           <a:lstStyle/>
           <a:p>
-            <a:fld id="{D93573DC-D844-4AC2-A780-F74B0AA497AA}" type="datetimeFigureOut">
+            <a:fld id="{579E761B-5BB6-427F-BCED-0B987BB33069}" type="datetimeFigureOut">
               <a:rPr lang="zh-CN" altLang="en-US" smtClean="0"/>
               <a:t>2024/3/10</a:t>
             </a:fld>
@@ -1144,7 +1144,7 @@
           <p:cNvPr id="5" name="页脚占位符 4">
             <a:extLst>
               <a:ext uri="{FF2B5EF4-FFF2-40B4-BE49-F238E27FC236}">
-                <a16:creationId xmlns:a16="http://schemas.microsoft.com/office/drawing/2014/main" id="{772009AF-FC73-AFAA-A70E-470A86F06706}"/>
+                <a16:creationId xmlns:a16="http://schemas.microsoft.com/office/drawing/2014/main" id="{B892C410-F53E-3D48-ADC6-B35D48043F12}"/>
               </a:ext>
             </a:extLst>
           </p:cNvPr>
@@ -1169,7 +1169,7 @@
           <p:cNvPr id="6" name="灯片编号占位符 5">
             <a:extLst>
               <a:ext uri="{FF2B5EF4-FFF2-40B4-BE49-F238E27FC236}">
-                <a16:creationId xmlns:a16="http://schemas.microsoft.com/office/drawing/2014/main" id="{5BBF4F66-CA8E-3DFE-C03D-27E7CE3FE929}"/>
+                <a16:creationId xmlns:a16="http://schemas.microsoft.com/office/drawing/2014/main" id="{0F91E805-4E7E-3C8A-6F87-6CC85100CADC}"/>
               </a:ext>
             </a:extLst>
           </p:cNvPr>
@@ -1185,7 +1185,7 @@
           <a:bodyPr/>
           <a:lstStyle/>
           <a:p>
-            <a:fld id="{3B04E3DC-3F7F-4C94-A302-1F50E459E8D7}" type="slidenum">
+            <a:fld id="{FC7BD3BD-912D-469B-ADE6-79CA44F9D651}" type="slidenum">
               <a:rPr lang="zh-CN" altLang="en-US" smtClean="0"/>
               <a:t>‹#›</a:t>
             </a:fld>
@@ -1196,7 +1196,7 @@
     </p:spTree>
     <p:extLst>
       <p:ext uri="{BB962C8B-B14F-4D97-AF65-F5344CB8AC3E}">
-        <p14:creationId xmlns:p14="http://schemas.microsoft.com/office/powerpoint/2010/main" val="369434925"/>
+        <p14:creationId xmlns:p14="http://schemas.microsoft.com/office/powerpoint/2010/main" val="2764260268"/>
       </p:ext>
     </p:extLst>
   </p:cSld>
@@ -1228,7 +1228,7 @@
           <p:cNvPr id="2" name="标题 1">
             <a:extLst>
               <a:ext uri="{FF2B5EF4-FFF2-40B4-BE49-F238E27FC236}">
-                <a16:creationId xmlns:a16="http://schemas.microsoft.com/office/drawing/2014/main" id="{0DE044B0-9317-2E6B-E66C-36A21F4E405E}"/>
+                <a16:creationId xmlns:a16="http://schemas.microsoft.com/office/drawing/2014/main" id="{FEA72D3D-2B93-0296-BE06-ED72ACCEF837}"/>
               </a:ext>
             </a:extLst>
           </p:cNvPr>
@@ -1256,7 +1256,7 @@
           <p:cNvPr id="3" name="内容占位符 2">
             <a:extLst>
               <a:ext uri="{FF2B5EF4-FFF2-40B4-BE49-F238E27FC236}">
-                <a16:creationId xmlns:a16="http://schemas.microsoft.com/office/drawing/2014/main" id="{A8FC3015-E28A-7B1E-4533-3F58A14A4460}"/>
+                <a16:creationId xmlns:a16="http://schemas.microsoft.com/office/drawing/2014/main" id="{8E3C36BB-2CB5-E1DE-A233-245CCDF2AFC6}"/>
               </a:ext>
             </a:extLst>
           </p:cNvPr>
@@ -1318,7 +1318,7 @@
           <p:cNvPr id="4" name="内容占位符 3">
             <a:extLst>
               <a:ext uri="{FF2B5EF4-FFF2-40B4-BE49-F238E27FC236}">
-                <a16:creationId xmlns:a16="http://schemas.microsoft.com/office/drawing/2014/main" id="{95CC89D8-EDEA-D33D-9627-67EABFBCAFF8}"/>
+                <a16:creationId xmlns:a16="http://schemas.microsoft.com/office/drawing/2014/main" id="{BDAF963F-F765-E89F-FF53-986508A860EC}"/>
               </a:ext>
             </a:extLst>
           </p:cNvPr>
@@ -1380,7 +1380,7 @@
           <p:cNvPr id="5" name="日期占位符 4">
             <a:extLst>
               <a:ext uri="{FF2B5EF4-FFF2-40B4-BE49-F238E27FC236}">
-                <a16:creationId xmlns:a16="http://schemas.microsoft.com/office/drawing/2014/main" id="{43846BD8-030E-66F6-97BD-355C8DCDFF56}"/>
+                <a16:creationId xmlns:a16="http://schemas.microsoft.com/office/drawing/2014/main" id="{605C1C1B-51A6-A121-B2E0-BD7DF43A18A7}"/>
               </a:ext>
             </a:extLst>
           </p:cNvPr>
@@ -1396,7 +1396,7 @@
           <a:bodyPr/>
           <a:lstStyle/>
           <a:p>
-            <a:fld id="{D93573DC-D844-4AC2-A780-F74B0AA497AA}" type="datetimeFigureOut">
+            <a:fld id="{579E761B-5BB6-427F-BCED-0B987BB33069}" type="datetimeFigureOut">
               <a:rPr lang="zh-CN" altLang="en-US" smtClean="0"/>
               <a:t>2024/3/10</a:t>
             </a:fld>
@@ -1409,7 +1409,7 @@
           <p:cNvPr id="6" name="页脚占位符 5">
             <a:extLst>
               <a:ext uri="{FF2B5EF4-FFF2-40B4-BE49-F238E27FC236}">
-                <a16:creationId xmlns:a16="http://schemas.microsoft.com/office/drawing/2014/main" id="{BB7D4ACD-937D-3D51-9750-7C2C6E97D35D}"/>
+                <a16:creationId xmlns:a16="http://schemas.microsoft.com/office/drawing/2014/main" id="{97F1F1B6-3264-3121-C538-DFDE2263AE88}"/>
               </a:ext>
             </a:extLst>
           </p:cNvPr>
@@ -1434,7 +1434,7 @@
           <p:cNvPr id="7" name="灯片编号占位符 6">
             <a:extLst>
               <a:ext uri="{FF2B5EF4-FFF2-40B4-BE49-F238E27FC236}">
-                <a16:creationId xmlns:a16="http://schemas.microsoft.com/office/drawing/2014/main" id="{A796BE77-14E7-F88A-6F2F-47FA8EC8B5B7}"/>
+                <a16:creationId xmlns:a16="http://schemas.microsoft.com/office/drawing/2014/main" id="{9B2FD550-BFE4-CE82-32ED-B838F79E578B}"/>
               </a:ext>
             </a:extLst>
           </p:cNvPr>
@@ -1450,7 +1450,7 @@
           <a:bodyPr/>
           <a:lstStyle/>
           <a:p>
-            <a:fld id="{3B04E3DC-3F7F-4C94-A302-1F50E459E8D7}" type="slidenum">
+            <a:fld id="{FC7BD3BD-912D-469B-ADE6-79CA44F9D651}" type="slidenum">
               <a:rPr lang="zh-CN" altLang="en-US" smtClean="0"/>
               <a:t>‹#›</a:t>
             </a:fld>
@@ -1461,7 +1461,7 @@
     </p:spTree>
     <p:extLst>
       <p:ext uri="{BB962C8B-B14F-4D97-AF65-F5344CB8AC3E}">
-        <p14:creationId xmlns:p14="http://schemas.microsoft.com/office/powerpoint/2010/main" val="7788949"/>
+        <p14:creationId xmlns:p14="http://schemas.microsoft.com/office/powerpoint/2010/main" val="3939599706"/>
       </p:ext>
     </p:extLst>
   </p:cSld>
@@ -1493,7 +1493,7 @@
           <p:cNvPr id="2" name="标题 1">
             <a:extLst>
               <a:ext uri="{FF2B5EF4-FFF2-40B4-BE49-F238E27FC236}">
-                <a16:creationId xmlns:a16="http://schemas.microsoft.com/office/drawing/2014/main" id="{221CF0E0-03A7-2DE3-0D4A-312C7C69975C}"/>
+                <a16:creationId xmlns:a16="http://schemas.microsoft.com/office/drawing/2014/main" id="{7CC0E9F2-6B48-0BC5-C7E4-0C5E07C91D31}"/>
               </a:ext>
             </a:extLst>
           </p:cNvPr>
@@ -1526,7 +1526,7 @@
           <p:cNvPr id="3" name="文本占位符 2">
             <a:extLst>
               <a:ext uri="{FF2B5EF4-FFF2-40B4-BE49-F238E27FC236}">
-                <a16:creationId xmlns:a16="http://schemas.microsoft.com/office/drawing/2014/main" id="{3BD27F95-6DE5-0E4E-BE86-2F2DDAEEF046}"/>
+                <a16:creationId xmlns:a16="http://schemas.microsoft.com/office/drawing/2014/main" id="{5AD807C5-F19C-C214-3737-9B653CC62F0B}"/>
               </a:ext>
             </a:extLst>
           </p:cNvPr>
@@ -1597,7 +1597,7 @@
           <p:cNvPr id="4" name="内容占位符 3">
             <a:extLst>
               <a:ext uri="{FF2B5EF4-FFF2-40B4-BE49-F238E27FC236}">
-                <a16:creationId xmlns:a16="http://schemas.microsoft.com/office/drawing/2014/main" id="{32DAB306-37AF-E81D-7670-8C5868DE068C}"/>
+                <a16:creationId xmlns:a16="http://schemas.microsoft.com/office/drawing/2014/main" id="{03AA94FF-3E7A-42E8-A4DD-CCED1CF46FF0}"/>
               </a:ext>
             </a:extLst>
           </p:cNvPr>
@@ -1659,7 +1659,7 @@
           <p:cNvPr id="5" name="文本占位符 4">
             <a:extLst>
               <a:ext uri="{FF2B5EF4-FFF2-40B4-BE49-F238E27FC236}">
-                <a16:creationId xmlns:a16="http://schemas.microsoft.com/office/drawing/2014/main" id="{81D2679A-870B-CAC2-20D0-DA884201E238}"/>
+                <a16:creationId xmlns:a16="http://schemas.microsoft.com/office/drawing/2014/main" id="{8457927B-689B-C5DB-87DB-2A9C07A6C34A}"/>
               </a:ext>
             </a:extLst>
           </p:cNvPr>
@@ -1730,7 +1730,7 @@
           <p:cNvPr id="6" name="内容占位符 5">
             <a:extLst>
               <a:ext uri="{FF2B5EF4-FFF2-40B4-BE49-F238E27FC236}">
-                <a16:creationId xmlns:a16="http://schemas.microsoft.com/office/drawing/2014/main" id="{AAABCFD1-A5BA-2258-67E0-DC93BACFE26F}"/>
+                <a16:creationId xmlns:a16="http://schemas.microsoft.com/office/drawing/2014/main" id="{E3251E48-3CD7-7D4B-4C8A-1EF303D7AB51}"/>
               </a:ext>
             </a:extLst>
           </p:cNvPr>
@@ -1792,7 +1792,7 @@
           <p:cNvPr id="7" name="日期占位符 6">
             <a:extLst>
               <a:ext uri="{FF2B5EF4-FFF2-40B4-BE49-F238E27FC236}">
-                <a16:creationId xmlns:a16="http://schemas.microsoft.com/office/drawing/2014/main" id="{AEBB7789-E11A-9458-3E12-93BF59A143DD}"/>
+                <a16:creationId xmlns:a16="http://schemas.microsoft.com/office/drawing/2014/main" id="{1CA9DDEC-E651-51AE-3BE9-44CBA854A225}"/>
               </a:ext>
             </a:extLst>
           </p:cNvPr>
@@ -1808,7 +1808,7 @@
           <a:bodyPr/>
           <a:lstStyle/>
           <a:p>
-            <a:fld id="{D93573DC-D844-4AC2-A780-F74B0AA497AA}" type="datetimeFigureOut">
+            <a:fld id="{579E761B-5BB6-427F-BCED-0B987BB33069}" type="datetimeFigureOut">
               <a:rPr lang="zh-CN" altLang="en-US" smtClean="0"/>
               <a:t>2024/3/10</a:t>
             </a:fld>
@@ -1821,7 +1821,7 @@
           <p:cNvPr id="8" name="页脚占位符 7">
             <a:extLst>
               <a:ext uri="{FF2B5EF4-FFF2-40B4-BE49-F238E27FC236}">
-                <a16:creationId xmlns:a16="http://schemas.microsoft.com/office/drawing/2014/main" id="{5923D489-B661-5B6E-9EB5-12DD46A6B66A}"/>
+                <a16:creationId xmlns:a16="http://schemas.microsoft.com/office/drawing/2014/main" id="{4654FCA6-4E9F-9668-3444-22C9424FD1E8}"/>
               </a:ext>
             </a:extLst>
           </p:cNvPr>
@@ -1846,7 +1846,7 @@
           <p:cNvPr id="9" name="灯片编号占位符 8">
             <a:extLst>
               <a:ext uri="{FF2B5EF4-FFF2-40B4-BE49-F238E27FC236}">
-                <a16:creationId xmlns:a16="http://schemas.microsoft.com/office/drawing/2014/main" id="{EDF108CA-AD4F-7DE8-F88B-6969BD444808}"/>
+                <a16:creationId xmlns:a16="http://schemas.microsoft.com/office/drawing/2014/main" id="{37BF22A0-A6A9-7B50-E1E6-75A11F792B2F}"/>
               </a:ext>
             </a:extLst>
           </p:cNvPr>
@@ -1862,7 +1862,7 @@
           <a:bodyPr/>
           <a:lstStyle/>
           <a:p>
-            <a:fld id="{3B04E3DC-3F7F-4C94-A302-1F50E459E8D7}" type="slidenum">
+            <a:fld id="{FC7BD3BD-912D-469B-ADE6-79CA44F9D651}" type="slidenum">
               <a:rPr lang="zh-CN" altLang="en-US" smtClean="0"/>
               <a:t>‹#›</a:t>
             </a:fld>
@@ -1873,7 +1873,7 @@
     </p:spTree>
     <p:extLst>
       <p:ext uri="{BB962C8B-B14F-4D97-AF65-F5344CB8AC3E}">
-        <p14:creationId xmlns:p14="http://schemas.microsoft.com/office/powerpoint/2010/main" val="3757289876"/>
+        <p14:creationId xmlns:p14="http://schemas.microsoft.com/office/powerpoint/2010/main" val="1581195712"/>
       </p:ext>
     </p:extLst>
   </p:cSld>
@@ -1905,7 +1905,7 @@
           <p:cNvPr id="2" name="标题 1">
             <a:extLst>
               <a:ext uri="{FF2B5EF4-FFF2-40B4-BE49-F238E27FC236}">
-                <a16:creationId xmlns:a16="http://schemas.microsoft.com/office/drawing/2014/main" id="{5C69DD35-A25A-7010-BE10-C158203C2F4C}"/>
+                <a16:creationId xmlns:a16="http://schemas.microsoft.com/office/drawing/2014/main" id="{8AE41CFF-DA00-4FFC-2AD0-8C33A683F914}"/>
               </a:ext>
             </a:extLst>
           </p:cNvPr>
@@ -1933,7 +1933,7 @@
           <p:cNvPr id="3" name="日期占位符 2">
             <a:extLst>
               <a:ext uri="{FF2B5EF4-FFF2-40B4-BE49-F238E27FC236}">
-                <a16:creationId xmlns:a16="http://schemas.microsoft.com/office/drawing/2014/main" id="{15346315-69F0-9658-04CD-36716E49C23F}"/>
+                <a16:creationId xmlns:a16="http://schemas.microsoft.com/office/drawing/2014/main" id="{A57A391D-1DC3-51EA-89E5-7DCD82FD4DBA}"/>
               </a:ext>
             </a:extLst>
           </p:cNvPr>
@@ -1949,7 +1949,7 @@
           <a:bodyPr/>
           <a:lstStyle/>
           <a:p>
-            <a:fld id="{D93573DC-D844-4AC2-A780-F74B0AA497AA}" type="datetimeFigureOut">
+            <a:fld id="{579E761B-5BB6-427F-BCED-0B987BB33069}" type="datetimeFigureOut">
               <a:rPr lang="zh-CN" altLang="en-US" smtClean="0"/>
               <a:t>2024/3/10</a:t>
             </a:fld>
@@ -1962,7 +1962,7 @@
           <p:cNvPr id="4" name="页脚占位符 3">
             <a:extLst>
               <a:ext uri="{FF2B5EF4-FFF2-40B4-BE49-F238E27FC236}">
-                <a16:creationId xmlns:a16="http://schemas.microsoft.com/office/drawing/2014/main" id="{2E56787D-E3E8-F114-1AD4-A2CD09CB001C}"/>
+                <a16:creationId xmlns:a16="http://schemas.microsoft.com/office/drawing/2014/main" id="{E89AFF0D-B429-C15F-9368-23E139B53534}"/>
               </a:ext>
             </a:extLst>
           </p:cNvPr>
@@ -1987,7 +1987,7 @@
           <p:cNvPr id="5" name="灯片编号占位符 4">
             <a:extLst>
               <a:ext uri="{FF2B5EF4-FFF2-40B4-BE49-F238E27FC236}">
-                <a16:creationId xmlns:a16="http://schemas.microsoft.com/office/drawing/2014/main" id="{019CE83B-0D20-4B09-D20E-9774ED2022B9}"/>
+                <a16:creationId xmlns:a16="http://schemas.microsoft.com/office/drawing/2014/main" id="{ADDDBB37-1955-75E3-7226-3EF0F13E305C}"/>
               </a:ext>
             </a:extLst>
           </p:cNvPr>
@@ -2003,7 +2003,7 @@
           <a:bodyPr/>
           <a:lstStyle/>
           <a:p>
-            <a:fld id="{3B04E3DC-3F7F-4C94-A302-1F50E459E8D7}" type="slidenum">
+            <a:fld id="{FC7BD3BD-912D-469B-ADE6-79CA44F9D651}" type="slidenum">
               <a:rPr lang="zh-CN" altLang="en-US" smtClean="0"/>
               <a:t>‹#›</a:t>
             </a:fld>
@@ -2014,7 +2014,7 @@
     </p:spTree>
     <p:extLst>
       <p:ext uri="{BB962C8B-B14F-4D97-AF65-F5344CB8AC3E}">
-        <p14:creationId xmlns:p14="http://schemas.microsoft.com/office/powerpoint/2010/main" val="442093118"/>
+        <p14:creationId xmlns:p14="http://schemas.microsoft.com/office/powerpoint/2010/main" val="2922079483"/>
       </p:ext>
     </p:extLst>
   </p:cSld>
@@ -2046,7 +2046,7 @@
           <p:cNvPr id="2" name="日期占位符 1">
             <a:extLst>
               <a:ext uri="{FF2B5EF4-FFF2-40B4-BE49-F238E27FC236}">
-                <a16:creationId xmlns:a16="http://schemas.microsoft.com/office/drawing/2014/main" id="{5A036D04-775F-6653-C688-B69FED920762}"/>
+                <a16:creationId xmlns:a16="http://schemas.microsoft.com/office/drawing/2014/main" id="{853EE8CE-89BB-B4DD-13CF-6549716250DC}"/>
               </a:ext>
             </a:extLst>
           </p:cNvPr>
@@ -2062,7 +2062,7 @@
           <a:bodyPr/>
           <a:lstStyle/>
           <a:p>
-            <a:fld id="{D93573DC-D844-4AC2-A780-F74B0AA497AA}" type="datetimeFigureOut">
+            <a:fld id="{579E761B-5BB6-427F-BCED-0B987BB33069}" type="datetimeFigureOut">
               <a:rPr lang="zh-CN" altLang="en-US" smtClean="0"/>
               <a:t>2024/3/10</a:t>
             </a:fld>
@@ -2075,7 +2075,7 @@
           <p:cNvPr id="3" name="页脚占位符 2">
             <a:extLst>
               <a:ext uri="{FF2B5EF4-FFF2-40B4-BE49-F238E27FC236}">
-                <a16:creationId xmlns:a16="http://schemas.microsoft.com/office/drawing/2014/main" id="{E7F1B74D-BA1E-B061-57FA-6490226F15F5}"/>
+                <a16:creationId xmlns:a16="http://schemas.microsoft.com/office/drawing/2014/main" id="{E626F45E-89DF-264A-3EA2-80D8A21E6023}"/>
               </a:ext>
             </a:extLst>
           </p:cNvPr>
@@ -2100,7 +2100,7 @@
           <p:cNvPr id="4" name="灯片编号占位符 3">
             <a:extLst>
               <a:ext uri="{FF2B5EF4-FFF2-40B4-BE49-F238E27FC236}">
-                <a16:creationId xmlns:a16="http://schemas.microsoft.com/office/drawing/2014/main" id="{093F8619-D0F0-0B4B-6CCE-63E4940ACE13}"/>
+                <a16:creationId xmlns:a16="http://schemas.microsoft.com/office/drawing/2014/main" id="{68247403-3A54-7BBB-BA37-39883FEBDBD9}"/>
               </a:ext>
             </a:extLst>
           </p:cNvPr>
@@ -2116,7 +2116,7 @@
           <a:bodyPr/>
           <a:lstStyle/>
           <a:p>
-            <a:fld id="{3B04E3DC-3F7F-4C94-A302-1F50E459E8D7}" type="slidenum">
+            <a:fld id="{FC7BD3BD-912D-469B-ADE6-79CA44F9D651}" type="slidenum">
               <a:rPr lang="zh-CN" altLang="en-US" smtClean="0"/>
               <a:t>‹#›</a:t>
             </a:fld>
@@ -2127,7 +2127,7 @@
     </p:spTree>
     <p:extLst>
       <p:ext uri="{BB962C8B-B14F-4D97-AF65-F5344CB8AC3E}">
-        <p14:creationId xmlns:p14="http://schemas.microsoft.com/office/powerpoint/2010/main" val="912203838"/>
+        <p14:creationId xmlns:p14="http://schemas.microsoft.com/office/powerpoint/2010/main" val="1975060645"/>
       </p:ext>
     </p:extLst>
   </p:cSld>
@@ -2159,7 +2159,7 @@
           <p:cNvPr id="2" name="标题 1">
             <a:extLst>
               <a:ext uri="{FF2B5EF4-FFF2-40B4-BE49-F238E27FC236}">
-                <a16:creationId xmlns:a16="http://schemas.microsoft.com/office/drawing/2014/main" id="{748AC435-E8C8-129F-4951-CD3500E54EDE}"/>
+                <a16:creationId xmlns:a16="http://schemas.microsoft.com/office/drawing/2014/main" id="{655D9D4B-5B02-C6DE-E82C-8CDFE310CDAE}"/>
               </a:ext>
             </a:extLst>
           </p:cNvPr>
@@ -2196,7 +2196,7 @@
           <p:cNvPr id="3" name="内容占位符 2">
             <a:extLst>
               <a:ext uri="{FF2B5EF4-FFF2-40B4-BE49-F238E27FC236}">
-                <a16:creationId xmlns:a16="http://schemas.microsoft.com/office/drawing/2014/main" id="{3083B46C-C6EF-9882-C07A-2AB866758645}"/>
+                <a16:creationId xmlns:a16="http://schemas.microsoft.com/office/drawing/2014/main" id="{C3D97AC1-F0C3-65ED-4327-74AE16400DFD}"/>
               </a:ext>
             </a:extLst>
           </p:cNvPr>
@@ -2286,7 +2286,7 @@
           <p:cNvPr id="4" name="文本占位符 3">
             <a:extLst>
               <a:ext uri="{FF2B5EF4-FFF2-40B4-BE49-F238E27FC236}">
-                <a16:creationId xmlns:a16="http://schemas.microsoft.com/office/drawing/2014/main" id="{36E3FEAA-E9E2-3525-BCDB-25FCF9DAD74E}"/>
+                <a16:creationId xmlns:a16="http://schemas.microsoft.com/office/drawing/2014/main" id="{E4FB3F16-6971-88CD-47EA-9CAB93EE0FD5}"/>
               </a:ext>
             </a:extLst>
           </p:cNvPr>
@@ -2357,7 +2357,7 @@
           <p:cNvPr id="5" name="日期占位符 4">
             <a:extLst>
               <a:ext uri="{FF2B5EF4-FFF2-40B4-BE49-F238E27FC236}">
-                <a16:creationId xmlns:a16="http://schemas.microsoft.com/office/drawing/2014/main" id="{DA90F48A-D484-3B79-4F9E-8F7DF70C6ADE}"/>
+                <a16:creationId xmlns:a16="http://schemas.microsoft.com/office/drawing/2014/main" id="{5FBC4113-855A-84E5-0774-941ACC7AD355}"/>
               </a:ext>
             </a:extLst>
           </p:cNvPr>
@@ -2373,7 +2373,7 @@
           <a:bodyPr/>
           <a:lstStyle/>
           <a:p>
-            <a:fld id="{D93573DC-D844-4AC2-A780-F74B0AA497AA}" type="datetimeFigureOut">
+            <a:fld id="{579E761B-5BB6-427F-BCED-0B987BB33069}" type="datetimeFigureOut">
               <a:rPr lang="zh-CN" altLang="en-US" smtClean="0"/>
               <a:t>2024/3/10</a:t>
             </a:fld>
@@ -2386,7 +2386,7 @@
           <p:cNvPr id="6" name="页脚占位符 5">
             <a:extLst>
               <a:ext uri="{FF2B5EF4-FFF2-40B4-BE49-F238E27FC236}">
-                <a16:creationId xmlns:a16="http://schemas.microsoft.com/office/drawing/2014/main" id="{4735341F-76C2-19B1-B7D5-4326175C48A3}"/>
+                <a16:creationId xmlns:a16="http://schemas.microsoft.com/office/drawing/2014/main" id="{167DEF43-E0FD-5390-6212-08C0D1391E8D}"/>
               </a:ext>
             </a:extLst>
           </p:cNvPr>
@@ -2411,7 +2411,7 @@
           <p:cNvPr id="7" name="灯片编号占位符 6">
             <a:extLst>
               <a:ext uri="{FF2B5EF4-FFF2-40B4-BE49-F238E27FC236}">
-                <a16:creationId xmlns:a16="http://schemas.microsoft.com/office/drawing/2014/main" id="{87BA7C0A-5F2C-DAA5-1CD5-17970F6EBBD7}"/>
+                <a16:creationId xmlns:a16="http://schemas.microsoft.com/office/drawing/2014/main" id="{366C1C95-CCB5-264C-5A67-22ED93F6DA9C}"/>
               </a:ext>
             </a:extLst>
           </p:cNvPr>
@@ -2427,7 +2427,7 @@
           <a:bodyPr/>
           <a:lstStyle/>
           <a:p>
-            <a:fld id="{3B04E3DC-3F7F-4C94-A302-1F50E459E8D7}" type="slidenum">
+            <a:fld id="{FC7BD3BD-912D-469B-ADE6-79CA44F9D651}" type="slidenum">
               <a:rPr lang="zh-CN" altLang="en-US" smtClean="0"/>
               <a:t>‹#›</a:t>
             </a:fld>
@@ -2438,7 +2438,7 @@
     </p:spTree>
     <p:extLst>
       <p:ext uri="{BB962C8B-B14F-4D97-AF65-F5344CB8AC3E}">
-        <p14:creationId xmlns:p14="http://schemas.microsoft.com/office/powerpoint/2010/main" val="3848671342"/>
+        <p14:creationId xmlns:p14="http://schemas.microsoft.com/office/powerpoint/2010/main" val="4041466563"/>
       </p:ext>
     </p:extLst>
   </p:cSld>
@@ -2470,7 +2470,7 @@
           <p:cNvPr id="2" name="标题 1">
             <a:extLst>
               <a:ext uri="{FF2B5EF4-FFF2-40B4-BE49-F238E27FC236}">
-                <a16:creationId xmlns:a16="http://schemas.microsoft.com/office/drawing/2014/main" id="{106340EE-FAE9-F004-1CC6-75FB2EF6495D}"/>
+                <a16:creationId xmlns:a16="http://schemas.microsoft.com/office/drawing/2014/main" id="{F0DCCD46-BD2B-99A7-30DC-E778E8F21CA3}"/>
               </a:ext>
             </a:extLst>
           </p:cNvPr>
@@ -2507,7 +2507,7 @@
           <p:cNvPr id="3" name="图片占位符 2">
             <a:extLst>
               <a:ext uri="{FF2B5EF4-FFF2-40B4-BE49-F238E27FC236}">
-                <a16:creationId xmlns:a16="http://schemas.microsoft.com/office/drawing/2014/main" id="{8E4E23AE-DDCB-ADC5-A222-72F2D61FD5A5}"/>
+                <a16:creationId xmlns:a16="http://schemas.microsoft.com/office/drawing/2014/main" id="{55FF05AC-32BD-A857-060D-1A3049AB20A5}"/>
               </a:ext>
             </a:extLst>
           </p:cNvPr>
@@ -2574,7 +2574,7 @@
           <p:cNvPr id="4" name="文本占位符 3">
             <a:extLst>
               <a:ext uri="{FF2B5EF4-FFF2-40B4-BE49-F238E27FC236}">
-                <a16:creationId xmlns:a16="http://schemas.microsoft.com/office/drawing/2014/main" id="{B4FAFCF6-9D40-05C5-7EB4-24B5BFE483C0}"/>
+                <a16:creationId xmlns:a16="http://schemas.microsoft.com/office/drawing/2014/main" id="{5E921741-FC64-2954-013C-C4A04CE635C2}"/>
               </a:ext>
             </a:extLst>
           </p:cNvPr>
@@ -2645,7 +2645,7 @@
           <p:cNvPr id="5" name="日期占位符 4">
             <a:extLst>
               <a:ext uri="{FF2B5EF4-FFF2-40B4-BE49-F238E27FC236}">
-                <a16:creationId xmlns:a16="http://schemas.microsoft.com/office/drawing/2014/main" id="{E8631395-2CC1-9F4F-FC93-20DBBB2F5B4B}"/>
+                <a16:creationId xmlns:a16="http://schemas.microsoft.com/office/drawing/2014/main" id="{3D03825E-5145-C791-24E0-506BE8DDE95D}"/>
               </a:ext>
             </a:extLst>
           </p:cNvPr>
@@ -2661,7 +2661,7 @@
           <a:bodyPr/>
           <a:lstStyle/>
           <a:p>
-            <a:fld id="{D93573DC-D844-4AC2-A780-F74B0AA497AA}" type="datetimeFigureOut">
+            <a:fld id="{579E761B-5BB6-427F-BCED-0B987BB33069}" type="datetimeFigureOut">
               <a:rPr lang="zh-CN" altLang="en-US" smtClean="0"/>
               <a:t>2024/3/10</a:t>
             </a:fld>
@@ -2674,7 +2674,7 @@
           <p:cNvPr id="6" name="页脚占位符 5">
             <a:extLst>
               <a:ext uri="{FF2B5EF4-FFF2-40B4-BE49-F238E27FC236}">
-                <a16:creationId xmlns:a16="http://schemas.microsoft.com/office/drawing/2014/main" id="{9A504115-8E53-B8EA-EB2C-2A070904D94F}"/>
+                <a16:creationId xmlns:a16="http://schemas.microsoft.com/office/drawing/2014/main" id="{2D2D29D1-CB4F-DB36-86EF-4CC9E89669C8}"/>
               </a:ext>
             </a:extLst>
           </p:cNvPr>
@@ -2699,7 +2699,7 @@
           <p:cNvPr id="7" name="灯片编号占位符 6">
             <a:extLst>
               <a:ext uri="{FF2B5EF4-FFF2-40B4-BE49-F238E27FC236}">
-                <a16:creationId xmlns:a16="http://schemas.microsoft.com/office/drawing/2014/main" id="{D3375410-F0DB-52F9-CCA5-77259216C80E}"/>
+                <a16:creationId xmlns:a16="http://schemas.microsoft.com/office/drawing/2014/main" id="{C4AAD4FA-F8BE-BD5D-4DC3-D3A20ABF287A}"/>
               </a:ext>
             </a:extLst>
           </p:cNvPr>
@@ -2715,7 +2715,7 @@
           <a:bodyPr/>
           <a:lstStyle/>
           <a:p>
-            <a:fld id="{3B04E3DC-3F7F-4C94-A302-1F50E459E8D7}" type="slidenum">
+            <a:fld id="{FC7BD3BD-912D-469B-ADE6-79CA44F9D651}" type="slidenum">
               <a:rPr lang="zh-CN" altLang="en-US" smtClean="0"/>
               <a:t>‹#›</a:t>
             </a:fld>
@@ -2726,7 +2726,7 @@
     </p:spTree>
     <p:extLst>
       <p:ext uri="{BB962C8B-B14F-4D97-AF65-F5344CB8AC3E}">
-        <p14:creationId xmlns:p14="http://schemas.microsoft.com/office/powerpoint/2010/main" val="979102256"/>
+        <p14:creationId xmlns:p14="http://schemas.microsoft.com/office/powerpoint/2010/main" val="255452537"/>
       </p:ext>
     </p:extLst>
   </p:cSld>
@@ -2763,7 +2763,7 @@
           <p:cNvPr id="2" name="标题占位符 1">
             <a:extLst>
               <a:ext uri="{FF2B5EF4-FFF2-40B4-BE49-F238E27FC236}">
-                <a16:creationId xmlns:a16="http://schemas.microsoft.com/office/drawing/2014/main" id="{3C68425D-2132-09DD-6066-4E8AEF4E12C8}"/>
+                <a16:creationId xmlns:a16="http://schemas.microsoft.com/office/drawing/2014/main" id="{1F83CD5B-5516-A8FA-7E61-BB732CA37980}"/>
               </a:ext>
             </a:extLst>
           </p:cNvPr>
@@ -2801,7 +2801,7 @@
           <p:cNvPr id="3" name="文本占位符 2">
             <a:extLst>
               <a:ext uri="{FF2B5EF4-FFF2-40B4-BE49-F238E27FC236}">
-                <a16:creationId xmlns:a16="http://schemas.microsoft.com/office/drawing/2014/main" id="{2AC54DF8-52BA-1DD1-4E3F-0A124DF1D1F9}"/>
+                <a16:creationId xmlns:a16="http://schemas.microsoft.com/office/drawing/2014/main" id="{536152CA-F8A3-5346-6787-DB30FF85998D}"/>
               </a:ext>
             </a:extLst>
           </p:cNvPr>
@@ -2868,7 +2868,7 @@
           <p:cNvPr id="4" name="日期占位符 3">
             <a:extLst>
               <a:ext uri="{FF2B5EF4-FFF2-40B4-BE49-F238E27FC236}">
-                <a16:creationId xmlns:a16="http://schemas.microsoft.com/office/drawing/2014/main" id="{00C8D907-BBED-D23C-D508-F749E72F661E}"/>
+                <a16:creationId xmlns:a16="http://schemas.microsoft.com/office/drawing/2014/main" id="{409D8930-28D1-2FC6-1384-0FAF9ABFFE06}"/>
               </a:ext>
             </a:extLst>
           </p:cNvPr>
@@ -2902,7 +2902,7 @@
             </a:lvl1pPr>
           </a:lstStyle>
           <a:p>
-            <a:fld id="{D93573DC-D844-4AC2-A780-F74B0AA497AA}" type="datetimeFigureOut">
+            <a:fld id="{579E761B-5BB6-427F-BCED-0B987BB33069}" type="datetimeFigureOut">
               <a:rPr lang="zh-CN" altLang="en-US" smtClean="0"/>
               <a:t>2024/3/10</a:t>
             </a:fld>
@@ -2915,7 +2915,7 @@
           <p:cNvPr id="5" name="页脚占位符 4">
             <a:extLst>
               <a:ext uri="{FF2B5EF4-FFF2-40B4-BE49-F238E27FC236}">
-                <a16:creationId xmlns:a16="http://schemas.microsoft.com/office/drawing/2014/main" id="{FBAF40CE-24C0-EEB9-4A56-6215450084E0}"/>
+                <a16:creationId xmlns:a16="http://schemas.microsoft.com/office/drawing/2014/main" id="{DADC6EA6-CF89-4927-0B00-8343314EE54B}"/>
               </a:ext>
             </a:extLst>
           </p:cNvPr>
@@ -2958,7 +2958,7 @@
           <p:cNvPr id="6" name="灯片编号占位符 5">
             <a:extLst>
               <a:ext uri="{FF2B5EF4-FFF2-40B4-BE49-F238E27FC236}">
-                <a16:creationId xmlns:a16="http://schemas.microsoft.com/office/drawing/2014/main" id="{A23278DA-D0A8-F40D-629F-70CB7AAE9B7A}"/>
+                <a16:creationId xmlns:a16="http://schemas.microsoft.com/office/drawing/2014/main" id="{FDE3A0FF-7270-F403-CEF3-7FF1879C67DC}"/>
               </a:ext>
             </a:extLst>
           </p:cNvPr>
@@ -2992,7 +2992,7 @@
             </a:lvl1pPr>
           </a:lstStyle>
           <a:p>
-            <a:fld id="{3B04E3DC-3F7F-4C94-A302-1F50E459E8D7}" type="slidenum">
+            <a:fld id="{FC7BD3BD-912D-469B-ADE6-79CA44F9D651}" type="slidenum">
               <a:rPr lang="zh-CN" altLang="en-US" smtClean="0"/>
               <a:t>‹#›</a:t>
             </a:fld>
@@ -3003,7 +3003,7 @@
     </p:spTree>
     <p:extLst>
       <p:ext uri="{BB962C8B-B14F-4D97-AF65-F5344CB8AC3E}">
-        <p14:creationId xmlns:p14="http://schemas.microsoft.com/office/powerpoint/2010/main" val="3086120120"/>
+        <p14:creationId xmlns:p14="http://schemas.microsoft.com/office/powerpoint/2010/main" val="4181312097"/>
       </p:ext>
     </p:extLst>
   </p:cSld>
@@ -3323,7 +3323,7 @@
       </p:grpSpPr>
       <p:pic>
         <p:nvPicPr>
-          <p:cNvPr id="202754" name="Picture 2" descr="197"/>
+          <p:cNvPr id="203778" name="Picture 2" descr="198"/>
           <p:cNvPicPr>
             <a:picLocks noChangeAspect="1" noChangeArrowheads="1"/>
           </p:cNvPicPr>
@@ -3344,8 +3344,8 @@
         </p:blipFill>
         <p:spPr bwMode="auto">
           <a:xfrm>
-            <a:off x="1524000" y="-11113"/>
-            <a:ext cx="9144000" cy="6842126"/>
+            <a:off x="1524000" y="0"/>
+            <a:ext cx="9144000" cy="6858000"/>
           </a:xfrm>
           <a:prstGeom prst="rect">
             <a:avLst/>
